--- a/Presentación 1.pptx
+++ b/Presentación 1.pptx
@@ -118,7 +118,7 @@
   </p:defaultTextStyle>
   <p:extLst>
     <p:ext uri="{EFAFB233-063F-42B5-8137-9DF3F51BA10A}">
-      <p15:sldGuideLst xmlns:p15="http://schemas.microsoft.com/office/powerpoint/2012/main" xmlns=""/>
+      <p15:sldGuideLst xmlns="" xmlns:p15="http://schemas.microsoft.com/office/powerpoint/2012/main"/>
     </p:ext>
   </p:extLst>
 </p:presentation>
@@ -8563,7 +8563,7 @@
           <p:cNvPr id="2" name="Título 1">
             <a:extLst>
               <a:ext uri="{FF2B5EF4-FFF2-40B4-BE49-F238E27FC236}">
-                <a16:creationId xmlns:a16="http://schemas.microsoft.com/office/drawing/2014/main" xmlns="" id="{0104C00F-AA7B-4FE0-9786-F04E9B04870E}"/>
+                <a16:creationId xmlns="" xmlns:a16="http://schemas.microsoft.com/office/drawing/2014/main" id="{0104C00F-AA7B-4FE0-9786-F04E9B04870E}"/>
               </a:ext>
             </a:extLst>
           </p:cNvPr>
@@ -8663,10 +8663,10 @@
           <p:cNvPr id="28" name="Group 27">
             <a:extLst>
               <a:ext uri="{FF2B5EF4-FFF2-40B4-BE49-F238E27FC236}">
-                <a16:creationId xmlns:a16="http://schemas.microsoft.com/office/drawing/2014/main" xmlns="" id="{7765757F-11B2-4B46-A7DB-35AE5DE836FD}"/>
+                <a16:creationId xmlns="" xmlns:a16="http://schemas.microsoft.com/office/drawing/2014/main" id="{7765757F-11B2-4B46-A7DB-35AE5DE836FD}"/>
               </a:ext>
               <a:ext uri="{C183D7F6-B498-43B3-948B-1728B52AA6E4}">
-                <adec:decorative xmlns:adec="http://schemas.microsoft.com/office/drawing/2017/decorative" xmlns="" val="1"/>
+                <adec:decorative xmlns="" xmlns:adec="http://schemas.microsoft.com/office/drawing/2017/decorative" val="1"/>
               </a:ext>
             </a:extLst>
           </p:cNvPr>
@@ -8676,7 +8676,7 @@
           <p:nvPr>
             <p:extLst>
               <p:ext uri="{386F3935-93C4-4BCD-93E2-E3B085C9AB24}">
-                <p16:designElem xmlns:p16="http://schemas.microsoft.com/office/powerpoint/2015/main" xmlns="" val="1"/>
+                <p16:designElem xmlns="" xmlns:p16="http://schemas.microsoft.com/office/powerpoint/2015/main" val="1"/>
               </p:ext>
             </p:extLst>
           </p:nvPr>
@@ -8694,10 +8694,10 @@
             <p:cNvPr id="29" name="Rectangle 28">
               <a:extLst>
                 <a:ext uri="{FF2B5EF4-FFF2-40B4-BE49-F238E27FC236}">
-                  <a16:creationId xmlns:a16="http://schemas.microsoft.com/office/drawing/2014/main" xmlns="" id="{1461D6A8-8DB5-4F2B-BB76-482DE74EDDC6}"/>
+                  <a16:creationId xmlns="" xmlns:a16="http://schemas.microsoft.com/office/drawing/2014/main" id="{1461D6A8-8DB5-4F2B-BB76-482DE74EDDC6}"/>
                 </a:ext>
                 <a:ext uri="{C183D7F6-B498-43B3-948B-1728B52AA6E4}">
-                  <adec:decorative xmlns:adec="http://schemas.microsoft.com/office/drawing/2017/decorative" xmlns="" val="1"/>
+                  <adec:decorative xmlns="" xmlns:adec="http://schemas.microsoft.com/office/drawing/2017/decorative" val="1"/>
                 </a:ext>
               </a:extLst>
             </p:cNvPr>
@@ -8705,7 +8705,7 @@
             <p:nvPr>
               <p:extLst>
                 <p:ext uri="{386F3935-93C4-4BCD-93E2-E3B085C9AB24}">
-                  <p16:designElem xmlns:p16="http://schemas.microsoft.com/office/powerpoint/2015/main" xmlns="" val="1"/>
+                  <p16:designElem xmlns="" xmlns:p16="http://schemas.microsoft.com/office/powerpoint/2015/main" val="1"/>
                 </p:ext>
               </p:extLst>
             </p:nvPr>
@@ -8752,10 +8752,10 @@
             <p:cNvPr id="30" name="Picture 29">
               <a:extLst>
                 <a:ext uri="{FF2B5EF4-FFF2-40B4-BE49-F238E27FC236}">
-                  <a16:creationId xmlns:a16="http://schemas.microsoft.com/office/drawing/2014/main" xmlns="" id="{E453312A-CCFE-4882-B1B8-36D80B69CB37}"/>
+                  <a16:creationId xmlns="" xmlns:a16="http://schemas.microsoft.com/office/drawing/2014/main" id="{E453312A-CCFE-4882-B1B8-36D80B69CB37}"/>
                 </a:ext>
                 <a:ext uri="{C183D7F6-B498-43B3-948B-1728B52AA6E4}">
-                  <adec:decorative xmlns:adec="http://schemas.microsoft.com/office/drawing/2017/decorative" xmlns="" val="1"/>
+                  <adec:decorative xmlns="" xmlns:adec="http://schemas.microsoft.com/office/drawing/2017/decorative" val="1"/>
                 </a:ext>
               </a:extLst>
             </p:cNvPr>
@@ -8765,7 +8765,7 @@
             <p:nvPr>
               <p:extLst>
                 <p:ext uri="{386F3935-93C4-4BCD-93E2-E3B085C9AB24}">
-                  <p16:designElem xmlns:p16="http://schemas.microsoft.com/office/powerpoint/2015/main" xmlns="" val="1"/>
+                  <p16:designElem xmlns="" xmlns:p16="http://schemas.microsoft.com/office/powerpoint/2015/main" val="1"/>
                 </p:ext>
               </p:extLst>
             </p:nvPr>
@@ -8799,10 +8799,10 @@
           <p:cNvPr id="32" name="Rectangle 31">
             <a:extLst>
               <a:ext uri="{FF2B5EF4-FFF2-40B4-BE49-F238E27FC236}">
-                <a16:creationId xmlns:a16="http://schemas.microsoft.com/office/drawing/2014/main" xmlns="" id="{42F4BC0E-FC44-4F8D-A286-772EC2E1786F}"/>
+                <a16:creationId xmlns="" xmlns:a16="http://schemas.microsoft.com/office/drawing/2014/main" id="{42F4BC0E-FC44-4F8D-A286-772EC2E1786F}"/>
               </a:ext>
               <a:ext uri="{C183D7F6-B498-43B3-948B-1728B52AA6E4}">
-                <adec:decorative xmlns:adec="http://schemas.microsoft.com/office/drawing/2017/decorative" xmlns="" val="1"/>
+                <adec:decorative xmlns="" xmlns:adec="http://schemas.microsoft.com/office/drawing/2017/decorative" val="1"/>
               </a:ext>
             </a:extLst>
           </p:cNvPr>
@@ -8812,7 +8812,7 @@
           <p:nvPr>
             <p:extLst>
               <p:ext uri="{386F3935-93C4-4BCD-93E2-E3B085C9AB24}">
-                <p16:designElem xmlns:p16="http://schemas.microsoft.com/office/powerpoint/2015/main" xmlns="" val="1"/>
+                <p16:designElem xmlns="" xmlns:p16="http://schemas.microsoft.com/office/powerpoint/2015/main" val="1"/>
               </p:ext>
             </p:extLst>
           </p:nvPr>
@@ -8857,7 +8857,7 @@
           <p:cNvPr id="2" name="Título 1">
             <a:extLst>
               <a:ext uri="{FF2B5EF4-FFF2-40B4-BE49-F238E27FC236}">
-                <a16:creationId xmlns:a16="http://schemas.microsoft.com/office/drawing/2014/main" xmlns="" id="{F9F91B75-6769-4584-B416-18A7CED52474}"/>
+                <a16:creationId xmlns="" xmlns:a16="http://schemas.microsoft.com/office/drawing/2014/main" id="{F9F91B75-6769-4584-B416-18A7CED52474}"/>
               </a:ext>
             </a:extLst>
           </p:cNvPr>
@@ -8892,10 +8892,10 @@
           <p:cNvPr id="34" name="Picture 33">
             <a:extLst>
               <a:ext uri="{FF2B5EF4-FFF2-40B4-BE49-F238E27FC236}">
-                <a16:creationId xmlns:a16="http://schemas.microsoft.com/office/drawing/2014/main" xmlns="" id="{17BC5674-71CE-4D27-A8CE-35F18664DC33}"/>
+                <a16:creationId xmlns="" xmlns:a16="http://schemas.microsoft.com/office/drawing/2014/main" id="{17BC5674-71CE-4D27-A8CE-35F18664DC33}"/>
               </a:ext>
               <a:ext uri="{C183D7F6-B498-43B3-948B-1728B52AA6E4}">
-                <adec:decorative xmlns:adec="http://schemas.microsoft.com/office/drawing/2017/decorative" xmlns="" val="1"/>
+                <adec:decorative xmlns="" xmlns:adec="http://schemas.microsoft.com/office/drawing/2017/decorative" val="1"/>
               </a:ext>
             </a:extLst>
           </p:cNvPr>
@@ -8905,7 +8905,7 @@
           <p:nvPr>
             <p:extLst>
               <p:ext uri="{386F3935-93C4-4BCD-93E2-E3B085C9AB24}">
-                <p16:designElem xmlns:p16="http://schemas.microsoft.com/office/powerpoint/2015/main" xmlns="" val="1"/>
+                <p16:designElem xmlns="" xmlns:p16="http://schemas.microsoft.com/office/powerpoint/2015/main" val="1"/>
               </p:ext>
             </p:extLst>
           </p:nvPr>
@@ -8937,7 +8937,7 @@
           <p:cNvPr id="25" name="Content Placeholder 24">
             <a:extLst>
               <a:ext uri="{FF2B5EF4-FFF2-40B4-BE49-F238E27FC236}">
-                <a16:creationId xmlns:a16="http://schemas.microsoft.com/office/drawing/2014/main" xmlns="" id="{340A68BB-1431-4FC0-A68B-2B8E91F57415}"/>
+                <a16:creationId xmlns="" xmlns:a16="http://schemas.microsoft.com/office/drawing/2014/main" id="{340A68BB-1431-4FC0-A68B-2B8E91F57415}"/>
               </a:ext>
             </a:extLst>
           </p:cNvPr>
@@ -8969,7 +8969,7 @@
           <p:cNvPr id="23" name="Imagen 7">
             <a:extLst>
               <a:ext uri="{FF2B5EF4-FFF2-40B4-BE49-F238E27FC236}">
-                <a16:creationId xmlns:a16="http://schemas.microsoft.com/office/drawing/2014/main" xmlns="" id="{A1538173-46C5-41FE-BCD9-5CDD793640FE}"/>
+                <a16:creationId xmlns="" xmlns:a16="http://schemas.microsoft.com/office/drawing/2014/main" id="{A1538173-46C5-41FE-BCD9-5CDD793640FE}"/>
               </a:ext>
             </a:extLst>
           </p:cNvPr>
@@ -8998,10 +8998,10 @@
           <p:cNvPr id="36" name="Rectangle 35">
             <a:extLst>
               <a:ext uri="{FF2B5EF4-FFF2-40B4-BE49-F238E27FC236}">
-                <a16:creationId xmlns:a16="http://schemas.microsoft.com/office/drawing/2014/main" xmlns="" id="{48FD054B-BEE8-4416-8DD7-DB8E6AF1BEF4}"/>
+                <a16:creationId xmlns="" xmlns:a16="http://schemas.microsoft.com/office/drawing/2014/main" id="{48FD054B-BEE8-4416-8DD7-DB8E6AF1BEF4}"/>
               </a:ext>
               <a:ext uri="{C183D7F6-B498-43B3-948B-1728B52AA6E4}">
-                <adec:decorative xmlns:adec="http://schemas.microsoft.com/office/drawing/2017/decorative" xmlns="" val="1"/>
+                <adec:decorative xmlns="" xmlns:adec="http://schemas.microsoft.com/office/drawing/2017/decorative" val="1"/>
               </a:ext>
             </a:extLst>
           </p:cNvPr>
@@ -9011,7 +9011,7 @@
           <p:nvPr>
             <p:extLst>
               <p:ext uri="{386F3935-93C4-4BCD-93E2-E3B085C9AB24}">
-                <p16:designElem xmlns:p16="http://schemas.microsoft.com/office/powerpoint/2015/main" xmlns="" val="1"/>
+                <p16:designElem xmlns="" xmlns:p16="http://schemas.microsoft.com/office/powerpoint/2015/main" val="1"/>
               </p:ext>
             </p:extLst>
           </p:nvPr>
@@ -9063,7 +9063,7 @@
           <p:cNvPr id="7" name="Imagen 4">
             <a:extLst>
               <a:ext uri="{FF2B5EF4-FFF2-40B4-BE49-F238E27FC236}">
-                <a16:creationId xmlns:a16="http://schemas.microsoft.com/office/drawing/2014/main" xmlns="" id="{6AE106E7-2486-4D3D-A7EF-454E6D847FB1}"/>
+                <a16:creationId xmlns="" xmlns:a16="http://schemas.microsoft.com/office/drawing/2014/main" id="{6AE106E7-2486-4D3D-A7EF-454E6D847FB1}"/>
               </a:ext>
             </a:extLst>
           </p:cNvPr>
@@ -9129,7 +9129,7 @@
           <p:cNvPr id="2" name="Título 1">
             <a:extLst>
               <a:ext uri="{FF2B5EF4-FFF2-40B4-BE49-F238E27FC236}">
-                <a16:creationId xmlns:a16="http://schemas.microsoft.com/office/drawing/2014/main" xmlns="" id="{F7ED721B-57E8-455E-A4FD-B038015AC879}"/>
+                <a16:creationId xmlns="" xmlns:a16="http://schemas.microsoft.com/office/drawing/2014/main" id="{F7ED721B-57E8-455E-A4FD-B038015AC879}"/>
               </a:ext>
             </a:extLst>
           </p:cNvPr>
@@ -9243,7 +9243,7 @@
           <p:cNvPr id="2" name="Título 1">
             <a:extLst>
               <a:ext uri="{FF2B5EF4-FFF2-40B4-BE49-F238E27FC236}">
-                <a16:creationId xmlns:a16="http://schemas.microsoft.com/office/drawing/2014/main" xmlns="" id="{5E7F397D-E815-4ECE-9D7D-C536685AF2FD}"/>
+                <a16:creationId xmlns="" xmlns:a16="http://schemas.microsoft.com/office/drawing/2014/main" id="{5E7F397D-E815-4ECE-9D7D-C536685AF2FD}"/>
               </a:ext>
             </a:extLst>
           </p:cNvPr>
@@ -9307,27 +9307,27 @@
       </p:pic>
       <p:pic>
         <p:nvPicPr>
-          <p:cNvPr id="5" name="Picture 2" descr="C:\Users\User\Desktop\Voltio-CambioFinal.jpg"/>
+          <p:cNvPr id="3" name="Picture 2" descr="C:\Users\User\Desktop\Voltio-CambioF2.jpg"/>
           <p:cNvPicPr>
             <a:picLocks noChangeAspect="1" noChangeArrowheads="1"/>
           </p:cNvPicPr>
           <p:nvPr/>
         </p:nvPicPr>
         <p:blipFill rotWithShape="1">
-          <a:blip r:embed="rId2">
+          <a:blip r:embed="rId3">
             <a:extLst>
               <a:ext uri="{28A0092B-C50C-407E-A947-70E740481C1C}">
                 <a14:useLocalDpi xmlns:a14="http://schemas.microsoft.com/office/drawing/2010/main" val="0"/>
               </a:ext>
             </a:extLst>
           </a:blip>
-          <a:srcRect t="45836" r="59533"/>
+          <a:srcRect t="45354" r="59535"/>
           <a:stretch/>
         </p:blipFill>
         <p:spPr bwMode="auto">
           <a:xfrm>
-            <a:off x="141889" y="2475186"/>
-            <a:ext cx="6668233" cy="3951865"/>
+            <a:off x="158640" y="2585544"/>
+            <a:ext cx="6667828" cy="3987034"/>
           </a:xfrm>
           <a:prstGeom prst="rect">
             <a:avLst/>
@@ -9386,7 +9386,7 @@
           <p:cNvPr id="2" name="Título 1">
             <a:extLst>
               <a:ext uri="{FF2B5EF4-FFF2-40B4-BE49-F238E27FC236}">
-                <a16:creationId xmlns:a16="http://schemas.microsoft.com/office/drawing/2014/main" xmlns="" id="{5E7F397D-E815-4ECE-9D7D-C536685AF2FD}"/>
+                <a16:creationId xmlns="" xmlns:a16="http://schemas.microsoft.com/office/drawing/2014/main" id="{5E7F397D-E815-4ECE-9D7D-C536685AF2FD}"/>
               </a:ext>
             </a:extLst>
           </p:cNvPr>
@@ -9490,7 +9490,7 @@
           <p:cNvPr id="2" name="Título 1">
             <a:extLst>
               <a:ext uri="{FF2B5EF4-FFF2-40B4-BE49-F238E27FC236}">
-                <a16:creationId xmlns:a16="http://schemas.microsoft.com/office/drawing/2014/main" xmlns="" id="{B730AD4B-C2B3-4CB6-B00C-4915076BC40A}"/>
+                <a16:creationId xmlns="" xmlns:a16="http://schemas.microsoft.com/office/drawing/2014/main" id="{B730AD4B-C2B3-4CB6-B00C-4915076BC40A}"/>
               </a:ext>
             </a:extLst>
           </p:cNvPr>
@@ -9518,7 +9518,7 @@
           <p:cNvPr id="4" name="Imagen 4" descr="Imagen que contiene portátil, ordenador, persona, laborable&#10;&#10;Descripción generada con confianza muy alta">
             <a:extLst>
               <a:ext uri="{FF2B5EF4-FFF2-40B4-BE49-F238E27FC236}">
-                <a16:creationId xmlns:a16="http://schemas.microsoft.com/office/drawing/2014/main" xmlns="" id="{8A8B6A82-EF06-48DE-BB78-CDCC9B669E5B}"/>
+                <a16:creationId xmlns="" xmlns:a16="http://schemas.microsoft.com/office/drawing/2014/main" id="{8A8B6A82-EF06-48DE-BB78-CDCC9B669E5B}"/>
               </a:ext>
             </a:extLst>
           </p:cNvPr>
@@ -9667,7 +9667,7 @@
           <p:cNvPr id="2" name="Título 1">
             <a:extLst>
               <a:ext uri="{FF2B5EF4-FFF2-40B4-BE49-F238E27FC236}">
-                <a16:creationId xmlns:a16="http://schemas.microsoft.com/office/drawing/2014/main" xmlns="" id="{B730AD4B-C2B3-4CB6-B00C-4915076BC40A}"/>
+                <a16:creationId xmlns="" xmlns:a16="http://schemas.microsoft.com/office/drawing/2014/main" id="{B730AD4B-C2B3-4CB6-B00C-4915076BC40A}"/>
               </a:ext>
             </a:extLst>
           </p:cNvPr>
@@ -9695,7 +9695,7 @@
           <p:cNvPr id="4" name="Imagen 4" descr="Imagen que contiene portátil, ordenador, persona, laborable&#10;&#10;Descripción generada con confianza muy alta">
             <a:extLst>
               <a:ext uri="{FF2B5EF4-FFF2-40B4-BE49-F238E27FC236}">
-                <a16:creationId xmlns:a16="http://schemas.microsoft.com/office/drawing/2014/main" xmlns="" id="{8A8B6A82-EF06-48DE-BB78-CDCC9B669E5B}"/>
+                <a16:creationId xmlns="" xmlns:a16="http://schemas.microsoft.com/office/drawing/2014/main" id="{8A8B6A82-EF06-48DE-BB78-CDCC9B669E5B}"/>
               </a:ext>
             </a:extLst>
           </p:cNvPr>
@@ -9844,7 +9844,7 @@
           <p:cNvPr id="2" name="Título 1">
             <a:extLst>
               <a:ext uri="{FF2B5EF4-FFF2-40B4-BE49-F238E27FC236}">
-                <a16:creationId xmlns:a16="http://schemas.microsoft.com/office/drawing/2014/main" xmlns="" id="{B0E8B5CE-8222-4585-B19F-42E8CAB20B50}"/>
+                <a16:creationId xmlns="" xmlns:a16="http://schemas.microsoft.com/office/drawing/2014/main" id="{B0E8B5CE-8222-4585-B19F-42E8CAB20B50}"/>
               </a:ext>
             </a:extLst>
           </p:cNvPr>
@@ -9872,7 +9872,7 @@
           <p:cNvPr id="3" name="Marcador de texto 2">
             <a:extLst>
               <a:ext uri="{FF2B5EF4-FFF2-40B4-BE49-F238E27FC236}">
-                <a16:creationId xmlns:a16="http://schemas.microsoft.com/office/drawing/2014/main" xmlns="" id="{F1ACF4DF-928A-4407-B1BD-64A69AC9048E}"/>
+                <a16:creationId xmlns="" xmlns:a16="http://schemas.microsoft.com/office/drawing/2014/main" id="{F1ACF4DF-928A-4407-B1BD-64A69AC9048E}"/>
               </a:ext>
             </a:extLst>
           </p:cNvPr>
@@ -9961,7 +9961,7 @@
           <p:cNvPr id="2" name="Título 1">
             <a:extLst>
               <a:ext uri="{FF2B5EF4-FFF2-40B4-BE49-F238E27FC236}">
-                <a16:creationId xmlns:a16="http://schemas.microsoft.com/office/drawing/2014/main" xmlns="" id="{B0E8B5CE-8222-4585-B19F-42E8CAB20B50}"/>
+                <a16:creationId xmlns="" xmlns:a16="http://schemas.microsoft.com/office/drawing/2014/main" id="{B0E8B5CE-8222-4585-B19F-42E8CAB20B50}"/>
               </a:ext>
             </a:extLst>
           </p:cNvPr>
@@ -9989,7 +9989,7 @@
           <p:cNvPr id="3" name="Marcador de texto 2">
             <a:extLst>
               <a:ext uri="{FF2B5EF4-FFF2-40B4-BE49-F238E27FC236}">
-                <a16:creationId xmlns:a16="http://schemas.microsoft.com/office/drawing/2014/main" xmlns="" id="{F1ACF4DF-928A-4407-B1BD-64A69AC9048E}"/>
+                <a16:creationId xmlns="" xmlns:a16="http://schemas.microsoft.com/office/drawing/2014/main" id="{F1ACF4DF-928A-4407-B1BD-64A69AC9048E}"/>
               </a:ext>
             </a:extLst>
           </p:cNvPr>
@@ -10299,7 +10299,7 @@
   <a:extraClrSchemeLst/>
   <a:extLst>
     <a:ext uri="{05A4C25C-085E-4340-85A3-A5531E510DB2}">
-      <thm15:themeFamily xmlns:thm15="http://schemas.microsoft.com/office/thememl/2012/main" xmlns="" name="Berlin" id="{7B5DBA9E-B069-418E-9360-A61BDD0615A4}" vid="{C0CBE056-4EF4-4D92-969E-947779DA7AAA}"/>
+      <thm15:themeFamily xmlns="" xmlns:thm15="http://schemas.microsoft.com/office/thememl/2012/main" name="Berlin" id="{7B5DBA9E-B069-418E-9360-A61BDD0615A4}" vid="{C0CBE056-4EF4-4D92-969E-947779DA7AAA}"/>
     </a:ext>
   </a:extLst>
 </a:theme>
@@ -10594,7 +10594,7 @@
   <a:extraClrSchemeLst/>
   <a:extLst>
     <a:ext uri="{05A4C25C-085E-4340-85A3-A5531E510DB2}">
-      <thm15:themeFamily xmlns:thm15="http://schemas.microsoft.com/office/thememl/2012/main" xmlns="" name="Office Theme" id="{62F939B6-93AF-4DB8-9C6B-D6C7DFDC589F}" vid="{4A3C46E8-61CC-4603-A589-7422A47A8E4A}"/>
+      <thm15:themeFamily xmlns="" xmlns:thm15="http://schemas.microsoft.com/office/thememl/2012/main" name="Office Theme" id="{62F939B6-93AF-4DB8-9C6B-D6C7DFDC589F}" vid="{4A3C46E8-61CC-4603-A589-7422A47A8E4A}"/>
     </a:ext>
   </a:extLst>
 </a:theme>
